--- a/fig/ncGRaph.pptx
+++ b/fig/ncGRaph.pptx
@@ -104,6 +104,11 @@
       </a:defRPr>
     </a:lvl9pPr>
   </p:defaultTextStyle>
+  <p:extLst>
+    <p:ext uri="{EFAFB233-063F-42B5-8137-9DF3F51BA10A}">
+      <p15:sldGuideLst xmlns:p15="http://schemas.microsoft.com/office/powerpoint/2012/main"/>
+    </p:ext>
+  </p:extLst>
 </p:presentation>
 </file>
 
@@ -3321,6 +3326,58 @@
           <a:chExt cx="0" cy="0"/>
         </a:xfrm>
       </p:grpSpPr>
+      <p:sp>
+        <p:nvSpPr>
+          <p:cNvPr id="2" name="矩形 1">
+            <a:extLst>
+              <a:ext uri="{FF2B5EF4-FFF2-40B4-BE49-F238E27FC236}">
+                <a16:creationId xmlns:a16="http://schemas.microsoft.com/office/drawing/2014/main" id="{F9796B8E-DC11-E6BA-1C50-EE6DB244500A}"/>
+              </a:ext>
+            </a:extLst>
+          </p:cNvPr>
+          <p:cNvSpPr/>
+          <p:nvPr/>
+        </p:nvSpPr>
+        <p:spPr>
+          <a:xfrm>
+            <a:off x="878066" y="1693788"/>
+            <a:ext cx="11199378" cy="2454318"/>
+          </a:xfrm>
+          <a:prstGeom prst="rect">
+            <a:avLst/>
+          </a:prstGeom>
+          <a:solidFill>
+            <a:schemeClr val="bg1"/>
+          </a:solidFill>
+          <a:ln>
+            <a:noFill/>
+          </a:ln>
+        </p:spPr>
+        <p:style>
+          <a:lnRef idx="2">
+            <a:schemeClr val="accent1">
+              <a:shade val="15000"/>
+            </a:schemeClr>
+          </a:lnRef>
+          <a:fillRef idx="1">
+            <a:schemeClr val="accent1"/>
+          </a:fillRef>
+          <a:effectRef idx="0">
+            <a:schemeClr val="accent1"/>
+          </a:effectRef>
+          <a:fontRef idx="minor">
+            <a:schemeClr val="lt1"/>
+          </a:fontRef>
+        </p:style>
+        <p:txBody>
+          <a:bodyPr rtlCol="0" anchor="ctr"/>
+          <a:lstStyle/>
+          <a:p>
+            <a:pPr algn="ctr"/>
+            <a:endParaRPr lang="zh-CN" altLang="en-US"/>
+          </a:p>
+        </p:txBody>
+      </p:sp>
       <p:pic>
         <p:nvPicPr>
           <p:cNvPr id="12" name="图片 11">
@@ -3349,7 +3406,7 @@
         </p:blipFill>
         <p:spPr>
           <a:xfrm>
-            <a:off x="2761775" y="1970881"/>
+            <a:off x="1054088" y="2104105"/>
             <a:ext cx="1905000" cy="1905000"/>
           </a:xfrm>
           <a:prstGeom prst="rect">
@@ -3394,7 +3451,7 @@
         </p:blipFill>
         <p:spPr>
           <a:xfrm>
-            <a:off x="5057141" y="2595775"/>
+            <a:off x="3349454" y="2728999"/>
             <a:ext cx="1334452" cy="1334452"/>
           </a:xfrm>
           <a:prstGeom prst="rect">
@@ -3430,7 +3487,7 @@
         </p:blipFill>
         <p:spPr>
           <a:xfrm>
-            <a:off x="6572727" y="1815095"/>
+            <a:off x="4865040" y="1948319"/>
             <a:ext cx="1905000" cy="1905000"/>
           </a:xfrm>
           <a:prstGeom prst="rect">
@@ -3456,7 +3513,7 @@
         </p:nvSpPr>
         <p:spPr>
           <a:xfrm>
-            <a:off x="1524000" y="2025227"/>
+            <a:off x="-183687" y="2158451"/>
             <a:ext cx="9144000" cy="1484736"/>
           </a:xfrm>
         </p:spPr>
